--- a/SDSS_DataVerbs_v2_PosterTimed_NoMovie.pptx
+++ b/SDSS_DataVerbs_v2_PosterTimed_NoMovie.pptx
@@ -5376,7 +5376,7 @@
           <p:nvPr/>
         </p:nvPicPr>
         <p:blipFill>
-          <a:blip r:embed="rId2"/>
+          <a:blip r:embed="rId3"/>
           <a:stretch>
             <a:fillRect/>
           </a:stretch>
@@ -5419,6 +5419,39 @@
           </a:p>
         </p:txBody>
       </p:sp>
+      <p:pic>
+        <p:nvPicPr>
+          <p:cNvPr id="2" name="Online Media 1" title="Data Verbs Activity #1">
+            <a:hlinkClick r:id="" action="ppaction://media"/>
+            <a:extLst>
+              <a:ext uri="{FF2B5EF4-FFF2-40B4-BE49-F238E27FC236}">
+                <a16:creationId xmlns:a16="http://schemas.microsoft.com/office/drawing/2014/main" id="{F62B86A9-2CB7-4121-A092-8A01BBC13FA7}"/>
+              </a:ext>
+            </a:extLst>
+          </p:cNvPr>
+          <p:cNvPicPr>
+            <a:picLocks noRot="1" noChangeAspect="1"/>
+          </p:cNvPicPr>
+          <p:nvPr>
+            <a:videoFile r:link="rId1"/>
+          </p:nvPr>
+        </p:nvPicPr>
+        <p:blipFill>
+          <a:blip r:embed="rId4"/>
+          <a:stretch>
+            <a:fillRect/>
+          </a:stretch>
+        </p:blipFill>
+        <p:spPr>
+          <a:xfrm>
+            <a:off x="1524000" y="1714500"/>
+            <a:ext cx="6096000" cy="3429000"/>
+          </a:xfrm>
+          <a:prstGeom prst="rect">
+            <a:avLst/>
+          </a:prstGeom>
+        </p:spPr>
+      </p:pic>
     </p:spTree>
     <p:extLst>
       <p:ext uri="{BB962C8B-B14F-4D97-AF65-F5344CB8AC3E}">
